--- a/doc/iPad Wireframe.pptx
+++ b/doc/iPad Wireframe.pptx
@@ -4300,14 +4300,107 @@
         </p:blipFill>
         <p:spPr>
           <a:xfrm>
-            <a:off x="5165961" y="5071741"/>
-            <a:ext cx="425619" cy="425619"/>
+            <a:off x="6716342" y="1953641"/>
+            <a:ext cx="302040" cy="302040"/>
           </a:xfrm>
           <a:prstGeom prst="rect">
             <a:avLst/>
           </a:prstGeom>
         </p:spPr>
       </p:pic>
+      <p:sp>
+        <p:nvSpPr>
+          <p:cNvPr id="13" name="Oval 12">
+            <a:extLst>
+              <a:ext uri="{FF2B5EF4-FFF2-40B4-BE49-F238E27FC236}">
+                <a16:creationId xmlns:a16="http://schemas.microsoft.com/office/drawing/2014/main" id="{C7405244-5C61-D04A-995B-2F0798142257}"/>
+              </a:ext>
+            </a:extLst>
+          </p:cNvPr>
+          <p:cNvSpPr/>
+          <p:nvPr/>
+        </p:nvSpPr>
+        <p:spPr>
+          <a:xfrm>
+            <a:off x="5131878" y="5036521"/>
+            <a:ext cx="476244" cy="476244"/>
+          </a:xfrm>
+          <a:prstGeom prst="ellipse">
+            <a:avLst/>
+          </a:prstGeom>
+          <a:solidFill>
+            <a:schemeClr val="bg1">
+              <a:lumMod val="75000"/>
+            </a:schemeClr>
+          </a:solidFill>
+          <a:ln>
+            <a:noFill/>
+          </a:ln>
+        </p:spPr>
+        <p:style>
+          <a:lnRef idx="2">
+            <a:schemeClr val="accent1">
+              <a:shade val="50000"/>
+            </a:schemeClr>
+          </a:lnRef>
+          <a:fillRef idx="1">
+            <a:schemeClr val="accent1"/>
+          </a:fillRef>
+          <a:effectRef idx="0">
+            <a:schemeClr val="accent1"/>
+          </a:effectRef>
+          <a:fontRef idx="minor">
+            <a:schemeClr val="lt1"/>
+          </a:fontRef>
+        </p:style>
+        <p:txBody>
+          <a:bodyPr rtlCol="0" anchor="ctr"/>
+          <a:lstStyle/>
+          <a:p>
+            <a:pPr algn="ctr"/>
+            <a:endParaRPr lang="en-US"/>
+          </a:p>
+        </p:txBody>
+      </p:sp>
+      <p:sp>
+        <p:nvSpPr>
+          <p:cNvPr id="14" name="TextBox 13">
+            <a:extLst>
+              <a:ext uri="{FF2B5EF4-FFF2-40B4-BE49-F238E27FC236}">
+                <a16:creationId xmlns:a16="http://schemas.microsoft.com/office/drawing/2014/main" id="{D2E1BDA8-1762-2E47-B3F0-8A82A4238AFA}"/>
+              </a:ext>
+            </a:extLst>
+          </p:cNvPr>
+          <p:cNvSpPr txBox="1"/>
+          <p:nvPr/>
+        </p:nvSpPr>
+        <p:spPr>
+          <a:xfrm>
+            <a:off x="5174742" y="5092808"/>
+            <a:ext cx="521771" cy="369332"/>
+          </a:xfrm>
+          <a:prstGeom prst="rect">
+            <a:avLst/>
+          </a:prstGeom>
+          <a:noFill/>
+        </p:spPr>
+        <p:txBody>
+          <a:bodyPr wrap="square" rtlCol="0">
+            <a:spAutoFit/>
+          </a:bodyPr>
+          <a:lstStyle/>
+          <a:p>
+            <a:r>
+              <a:rPr lang="en-US" b="1" dirty="0">
+                <a:solidFill>
+                  <a:schemeClr val="bg1"/>
+                </a:solidFill>
+              </a:rPr>
+              <a:t>&gt;&gt;</a:t>
+            </a:r>
+          </a:p>
+        </p:txBody>
+      </p:sp>
     </p:spTree>
     <p:extLst>
       <p:ext uri="{BB962C8B-B14F-4D97-AF65-F5344CB8AC3E}">
@@ -4338,69 +4431,12 @@
           <a:chExt cx="0" cy="0"/>
         </a:xfrm>
       </p:grpSpPr>
-      <p:pic>
-        <p:nvPicPr>
-          <p:cNvPr id="22" name="Picture 21">
+      <p:sp>
+        <p:nvSpPr>
+          <p:cNvPr id="25" name="Oval 24">
             <a:extLst>
               <a:ext uri="{FF2B5EF4-FFF2-40B4-BE49-F238E27FC236}">
-                <a16:creationId xmlns:a16="http://schemas.microsoft.com/office/drawing/2014/main" id="{1C65AB1F-F08C-6446-A45D-A5B79E6FF036}"/>
-              </a:ext>
-            </a:extLst>
-          </p:cNvPr>
-          <p:cNvPicPr>
-            <a:picLocks noChangeAspect="1"/>
-          </p:cNvPicPr>
-          <p:nvPr/>
-        </p:nvPicPr>
-        <p:blipFill rotWithShape="1">
-          <a:blip r:embed="rId2"/>
-          <a:srcRect l="15716" t="32721" r="13246" b="44973"/>
-          <a:stretch/>
-        </p:blipFill>
-        <p:spPr>
-          <a:xfrm>
-            <a:off x="1863535" y="2294903"/>
-            <a:ext cx="5416930" cy="2529444"/>
-          </a:xfrm>
-          <a:prstGeom prst="rect">
-            <a:avLst/>
-          </a:prstGeom>
-        </p:spPr>
-      </p:pic>
-      <p:sp>
-        <p:nvSpPr>
-          <p:cNvPr id="12" name="Title 11"/>
-          <p:cNvSpPr>
-            <a:spLocks noGrp="1"/>
-          </p:cNvSpPr>
-          <p:nvPr>
-            <p:ph type="title"/>
-          </p:nvPr>
-        </p:nvSpPr>
-        <p:spPr>
-          <a:xfrm>
-            <a:off x="628650" y="365126"/>
-            <a:ext cx="7886700" cy="1325563"/>
-          </a:xfrm>
-        </p:spPr>
-        <p:txBody>
-          <a:bodyPr/>
-          <a:lstStyle/>
-          <a:p>
-            <a:pPr algn="ctr"/>
-            <a:r>
-              <a:rPr lang="en-US" dirty="0"/>
-              <a:t>Settings Screen</a:t>
-            </a:r>
-          </a:p>
-        </p:txBody>
-      </p:sp>
-      <p:sp>
-        <p:nvSpPr>
-          <p:cNvPr id="13" name="Oval 12">
-            <a:extLst>
-              <a:ext uri="{FF2B5EF4-FFF2-40B4-BE49-F238E27FC236}">
-                <a16:creationId xmlns:a16="http://schemas.microsoft.com/office/drawing/2014/main" id="{99F00B20-F2EB-0E4F-BEBD-2EDD490F9D21}"/>
+                <a16:creationId xmlns:a16="http://schemas.microsoft.com/office/drawing/2014/main" id="{59DA930F-69E9-5341-9672-AAA127DDD6AA}"/>
               </a:ext>
             </a:extLst>
           </p:cNvPr>
@@ -4409,8 +4445,8 @@
         </p:nvSpPr>
         <p:spPr>
           <a:xfrm>
-            <a:off x="4237767" y="4962577"/>
-            <a:ext cx="668466" cy="668466"/>
+            <a:off x="5131878" y="5036521"/>
+            <a:ext cx="476244" cy="476244"/>
           </a:xfrm>
           <a:prstGeom prst="ellipse">
             <a:avLst/>
@@ -4451,65 +4487,138 @@
       </p:sp>
       <p:sp>
         <p:nvSpPr>
-          <p:cNvPr id="21" name="Title 11">
+          <p:cNvPr id="26" name="TextBox 25">
             <a:extLst>
               <a:ext uri="{FF2B5EF4-FFF2-40B4-BE49-F238E27FC236}">
-                <a16:creationId xmlns:a16="http://schemas.microsoft.com/office/drawing/2014/main" id="{88C63747-E3E0-B147-AE21-6B68C138BEDD}"/>
+                <a16:creationId xmlns:a16="http://schemas.microsoft.com/office/drawing/2014/main" id="{61AB7DF3-8821-E348-A977-BFC5043B9A9D}"/>
               </a:ext>
             </a:extLst>
           </p:cNvPr>
-          <p:cNvSpPr txBox="1">
-            <a:spLocks/>
-          </p:cNvSpPr>
+          <p:cNvSpPr txBox="1"/>
           <p:nvPr/>
         </p:nvSpPr>
         <p:spPr>
           <a:xfrm>
-            <a:off x="2506312" y="1841776"/>
-            <a:ext cx="4131376" cy="573700"/>
+            <a:off x="5174742" y="5092808"/>
+            <a:ext cx="521771" cy="369332"/>
           </a:xfrm>
           <a:prstGeom prst="rect">
             <a:avLst/>
           </a:prstGeom>
-        </p:spPr>
-        <p:txBody>
-          <a:bodyPr vert="horz" lIns="91440" tIns="45720" rIns="91440" bIns="45720" rtlCol="0" anchor="ctr">
-            <a:normAutofit/>
+          <a:noFill/>
+        </p:spPr>
+        <p:txBody>
+          <a:bodyPr wrap="square" rtlCol="0">
+            <a:spAutoFit/>
           </a:bodyPr>
-          <a:lstStyle>
-            <a:lvl1pPr algn="l" defTabSz="914400" rtl="0" eaLnBrk="1" latinLnBrk="0" hangingPunct="1">
-              <a:lnSpc>
-                <a:spcPct val="90000"/>
-              </a:lnSpc>
-              <a:spcBef>
-                <a:spcPct val="0"/>
-              </a:spcBef>
-              <a:buNone/>
-              <a:defRPr sz="4400" kern="1200">
+          <a:lstStyle/>
+          <a:p>
+            <a:r>
+              <a:rPr lang="en-US" b="1" dirty="0">
                 <a:solidFill>
-                  <a:schemeClr val="tx1"/>
+                  <a:schemeClr val="bg1"/>
                 </a:solidFill>
-                <a:latin typeface="+mj-lt"/>
-                <a:ea typeface="+mj-ea"/>
-                <a:cs typeface="+mj-cs"/>
-              </a:defRPr>
-            </a:lvl1pPr>
-          </a:lstStyle>
-          <a:p>
-            <a:pPr algn="ctr"/>
-            <a:r>
-              <a:rPr lang="en-US" sz="2400" dirty="0"/>
-              <a:t>O Come All Ye Faithful </a:t>
-            </a:r>
-          </a:p>
-        </p:txBody>
-      </p:sp>
-      <p:sp>
-        <p:nvSpPr>
-          <p:cNvPr id="38" name="Triangle 37">
+              </a:rPr>
+              <a:t>&gt;&gt;</a:t>
+            </a:r>
+          </a:p>
+        </p:txBody>
+      </p:sp>
+      <p:pic>
+        <p:nvPicPr>
+          <p:cNvPr id="24" name="Picture 23">
             <a:extLst>
               <a:ext uri="{FF2B5EF4-FFF2-40B4-BE49-F238E27FC236}">
-                <a16:creationId xmlns:a16="http://schemas.microsoft.com/office/drawing/2014/main" id="{B975E9DC-0F89-5B4C-9682-F004FC491ECB}"/>
+                <a16:creationId xmlns:a16="http://schemas.microsoft.com/office/drawing/2014/main" id="{69879F8E-40E5-A647-81A5-5898CC9C2E79}"/>
+              </a:ext>
+            </a:extLst>
+          </p:cNvPr>
+          <p:cNvPicPr>
+            <a:picLocks noChangeAspect="1"/>
+          </p:cNvPicPr>
+          <p:nvPr/>
+        </p:nvPicPr>
+        <p:blipFill>
+          <a:blip r:embed="rId2">
+            <a:alphaModFix amt="28000"/>
+          </a:blip>
+          <a:stretch>
+            <a:fillRect/>
+          </a:stretch>
+        </p:blipFill>
+        <p:spPr>
+          <a:xfrm>
+            <a:off x="6716342" y="1953641"/>
+            <a:ext cx="302040" cy="302040"/>
+          </a:xfrm>
+          <a:prstGeom prst="rect">
+            <a:avLst/>
+          </a:prstGeom>
+        </p:spPr>
+      </p:pic>
+      <p:pic>
+        <p:nvPicPr>
+          <p:cNvPr id="22" name="Picture 21">
+            <a:extLst>
+              <a:ext uri="{FF2B5EF4-FFF2-40B4-BE49-F238E27FC236}">
+                <a16:creationId xmlns:a16="http://schemas.microsoft.com/office/drawing/2014/main" id="{1C65AB1F-F08C-6446-A45D-A5B79E6FF036}"/>
+              </a:ext>
+            </a:extLst>
+          </p:cNvPr>
+          <p:cNvPicPr>
+            <a:picLocks noChangeAspect="1"/>
+          </p:cNvPicPr>
+          <p:nvPr/>
+        </p:nvPicPr>
+        <p:blipFill rotWithShape="1">
+          <a:blip r:embed="rId3"/>
+          <a:srcRect l="15716" t="32721" r="13246" b="44973"/>
+          <a:stretch/>
+        </p:blipFill>
+        <p:spPr>
+          <a:xfrm>
+            <a:off x="1863535" y="2294903"/>
+            <a:ext cx="5416930" cy="2529444"/>
+          </a:xfrm>
+          <a:prstGeom prst="rect">
+            <a:avLst/>
+          </a:prstGeom>
+        </p:spPr>
+      </p:pic>
+      <p:sp>
+        <p:nvSpPr>
+          <p:cNvPr id="12" name="Title 11"/>
+          <p:cNvSpPr>
+            <a:spLocks noGrp="1"/>
+          </p:cNvSpPr>
+          <p:nvPr>
+            <p:ph type="title"/>
+          </p:nvPr>
+        </p:nvSpPr>
+        <p:spPr>
+          <a:xfrm>
+            <a:off x="628650" y="365126"/>
+            <a:ext cx="7886700" cy="1325563"/>
+          </a:xfrm>
+        </p:spPr>
+        <p:txBody>
+          <a:bodyPr/>
+          <a:lstStyle/>
+          <a:p>
+            <a:pPr algn="ctr"/>
+            <a:r>
+              <a:rPr lang="en-US" dirty="0"/>
+              <a:t>Settings Screen</a:t>
+            </a:r>
+          </a:p>
+        </p:txBody>
+      </p:sp>
+      <p:sp>
+        <p:nvSpPr>
+          <p:cNvPr id="13" name="Oval 12">
+            <a:extLst>
+              <a:ext uri="{FF2B5EF4-FFF2-40B4-BE49-F238E27FC236}">
+                <a16:creationId xmlns:a16="http://schemas.microsoft.com/office/drawing/2014/main" id="{99F00B20-F2EB-0E4F-BEBD-2EDD490F9D21}"/>
               </a:ext>
             </a:extLst>
           </p:cNvPr>
@@ -4517,20 +4626,20 @@
           <p:nvPr/>
         </p:nvSpPr>
         <p:spPr>
-          <a:xfrm rot="5400000">
-            <a:off x="4468862" y="5187886"/>
-            <a:ext cx="257842" cy="222278"/>
-          </a:xfrm>
-          <a:prstGeom prst="triangle">
+          <a:xfrm>
+            <a:off x="4237767" y="4962577"/>
+            <a:ext cx="668466" cy="668466"/>
+          </a:xfrm>
+          <a:prstGeom prst="ellipse">
             <a:avLst/>
           </a:prstGeom>
           <a:solidFill>
-            <a:schemeClr val="bg1"/>
+            <a:schemeClr val="bg1">
+              <a:lumMod val="75000"/>
+            </a:schemeClr>
           </a:solidFill>
           <a:ln>
-            <a:solidFill>
-              <a:schemeClr val="bg1"/>
-            </a:solidFill>
+            <a:noFill/>
           </a:ln>
         </p:spPr>
         <p:style>
@@ -4558,6 +4667,115 @@
           </a:p>
         </p:txBody>
       </p:sp>
+      <p:sp>
+        <p:nvSpPr>
+          <p:cNvPr id="21" name="Title 11">
+            <a:extLst>
+              <a:ext uri="{FF2B5EF4-FFF2-40B4-BE49-F238E27FC236}">
+                <a16:creationId xmlns:a16="http://schemas.microsoft.com/office/drawing/2014/main" id="{88C63747-E3E0-B147-AE21-6B68C138BEDD}"/>
+              </a:ext>
+            </a:extLst>
+          </p:cNvPr>
+          <p:cNvSpPr txBox="1">
+            <a:spLocks/>
+          </p:cNvSpPr>
+          <p:nvPr/>
+        </p:nvSpPr>
+        <p:spPr>
+          <a:xfrm>
+            <a:off x="2506312" y="1841776"/>
+            <a:ext cx="4131376" cy="573700"/>
+          </a:xfrm>
+          <a:prstGeom prst="rect">
+            <a:avLst/>
+          </a:prstGeom>
+        </p:spPr>
+        <p:txBody>
+          <a:bodyPr vert="horz" lIns="91440" tIns="45720" rIns="91440" bIns="45720" rtlCol="0" anchor="ctr">
+            <a:normAutofit/>
+          </a:bodyPr>
+          <a:lstStyle>
+            <a:lvl1pPr algn="l" defTabSz="914400" rtl="0" eaLnBrk="1" latinLnBrk="0" hangingPunct="1">
+              <a:lnSpc>
+                <a:spcPct val="90000"/>
+              </a:lnSpc>
+              <a:spcBef>
+                <a:spcPct val="0"/>
+              </a:spcBef>
+              <a:buNone/>
+              <a:defRPr sz="4400" kern="1200">
+                <a:solidFill>
+                  <a:schemeClr val="tx1"/>
+                </a:solidFill>
+                <a:latin typeface="+mj-lt"/>
+                <a:ea typeface="+mj-ea"/>
+                <a:cs typeface="+mj-cs"/>
+              </a:defRPr>
+            </a:lvl1pPr>
+          </a:lstStyle>
+          <a:p>
+            <a:pPr algn="ctr"/>
+            <a:r>
+              <a:rPr lang="en-US" sz="2400" dirty="0"/>
+              <a:t>O Come All Ye Faithful </a:t>
+            </a:r>
+          </a:p>
+        </p:txBody>
+      </p:sp>
+      <p:sp>
+        <p:nvSpPr>
+          <p:cNvPr id="38" name="Triangle 37">
+            <a:extLst>
+              <a:ext uri="{FF2B5EF4-FFF2-40B4-BE49-F238E27FC236}">
+                <a16:creationId xmlns:a16="http://schemas.microsoft.com/office/drawing/2014/main" id="{B975E9DC-0F89-5B4C-9682-F004FC491ECB}"/>
+              </a:ext>
+            </a:extLst>
+          </p:cNvPr>
+          <p:cNvSpPr/>
+          <p:nvPr/>
+        </p:nvSpPr>
+        <p:spPr>
+          <a:xfrm rot="5400000">
+            <a:off x="4468862" y="5187886"/>
+            <a:ext cx="257842" cy="222278"/>
+          </a:xfrm>
+          <a:prstGeom prst="triangle">
+            <a:avLst/>
+          </a:prstGeom>
+          <a:solidFill>
+            <a:schemeClr val="bg1"/>
+          </a:solidFill>
+          <a:ln>
+            <a:solidFill>
+              <a:schemeClr val="bg1"/>
+            </a:solidFill>
+          </a:ln>
+        </p:spPr>
+        <p:style>
+          <a:lnRef idx="2">
+            <a:schemeClr val="accent1">
+              <a:shade val="50000"/>
+            </a:schemeClr>
+          </a:lnRef>
+          <a:fillRef idx="1">
+            <a:schemeClr val="accent1"/>
+          </a:fillRef>
+          <a:effectRef idx="0">
+            <a:schemeClr val="accent1"/>
+          </a:effectRef>
+          <a:fontRef idx="minor">
+            <a:schemeClr val="lt1"/>
+          </a:fontRef>
+        </p:style>
+        <p:txBody>
+          <a:bodyPr rtlCol="0" anchor="ctr"/>
+          <a:lstStyle/>
+          <a:p>
+            <a:pPr algn="ctr"/>
+            <a:endParaRPr lang="en-US"/>
+          </a:p>
+        </p:txBody>
+      </p:sp>
       <p:pic>
         <p:nvPicPr>
           <p:cNvPr id="44" name="Picture 43">
@@ -4573,7 +4791,7 @@
           <p:nvPr/>
         </p:nvPicPr>
         <p:blipFill>
-          <a:blip r:embed="rId3"/>
+          <a:blip r:embed="rId4"/>
           <a:stretch>
             <a:fillRect/>
           </a:stretch>
@@ -4603,7 +4821,7 @@
           <p:nvPr/>
         </p:nvPicPr>
         <p:blipFill>
-          <a:blip r:embed="rId3"/>
+          <a:blip r:embed="rId4"/>
           <a:stretch>
             <a:fillRect/>
           </a:stretch>
@@ -4633,7 +4851,7 @@
           <p:nvPr/>
         </p:nvPicPr>
         <p:blipFill>
-          <a:blip r:embed="rId3"/>
+          <a:blip r:embed="rId4"/>
           <a:stretch>
             <a:fillRect/>
           </a:stretch>
@@ -4663,7 +4881,7 @@
           <p:nvPr/>
         </p:nvPicPr>
         <p:blipFill>
-          <a:blip r:embed="rId3"/>
+          <a:blip r:embed="rId4"/>
           <a:stretch>
             <a:fillRect/>
           </a:stretch>
@@ -4826,38 +5044,6 @@
           </a:p>
         </p:txBody>
       </p:sp>
-      <p:pic>
-        <p:nvPicPr>
-          <p:cNvPr id="23" name="Picture 22">
-            <a:extLst>
-              <a:ext uri="{FF2B5EF4-FFF2-40B4-BE49-F238E27FC236}">
-                <a16:creationId xmlns:a16="http://schemas.microsoft.com/office/drawing/2014/main" id="{AC3D5B61-5E56-6741-AE13-40C064200B8D}"/>
-              </a:ext>
-            </a:extLst>
-          </p:cNvPr>
-          <p:cNvPicPr>
-            <a:picLocks noChangeAspect="1"/>
-          </p:cNvPicPr>
-          <p:nvPr/>
-        </p:nvPicPr>
-        <p:blipFill>
-          <a:blip r:embed="rId4">
-            <a:alphaModFix amt="28000"/>
-          </a:blip>
-          <a:stretch>
-            <a:fillRect/>
-          </a:stretch>
-        </p:blipFill>
-        <p:spPr>
-          <a:xfrm>
-            <a:off x="5165961" y="5071741"/>
-            <a:ext cx="425619" cy="425619"/>
-          </a:xfrm>
-          <a:prstGeom prst="rect">
-            <a:avLst/>
-          </a:prstGeom>
-        </p:spPr>
-      </p:pic>
       <p:sp>
         <p:nvSpPr>
           <p:cNvPr id="20" name="Rectangle 19">
